--- a/Seminarski_rad_2.pptx
+++ b/Seminarski_rad_2.pptx
@@ -117,6 +117,11 @@
       </a:defRPr>
     </a:lvl9pPr>
   </p:defaultTextStyle>
+  <p:extLst>
+    <p:ext uri="{EFAFB233-063F-42B5-8137-9DF3F51BA10A}">
+      <p15:sldGuideLst xmlns:p15="http://schemas.microsoft.com/office/powerpoint/2012/main"/>
+    </p:ext>
+  </p:extLst>
 </p:presentation>
 </file>
 
@@ -3150,6 +3155,7 @@
           </a:bodyPr>
           <a:lstStyle/>
           <a:p>
+            <a:pPr algn="ctr"/>
             <a:r>
               <a:rPr lang="sr-Latn-RS" dirty="0" smtClean="0">
                 <a:solidFill>
@@ -3387,6 +3393,7 @@
           </a:bodyPr>
           <a:lstStyle/>
           <a:p>
+            <a:pPr algn="ctr"/>
             <a:r>
               <a:rPr lang="sr-Latn-RS" dirty="0" smtClean="0">
                 <a:solidFill>
@@ -3679,13 +3686,22 @@
           </a:bodyPr>
           <a:lstStyle/>
           <a:p>
+            <a:pPr algn="ctr"/>
             <a:r>
               <a:rPr lang="sr-Latn-RS" dirty="0" smtClean="0">
                 <a:solidFill>
                   <a:srgbClr val="20A06F"/>
                 </a:solidFill>
               </a:rPr>
-              <a:t>Primer upotrebe</a:t>
+              <a:t>Primer </a:t>
+            </a:r>
+            <a:r>
+              <a:rPr lang="sr-Latn-RS" dirty="0" smtClean="0">
+                <a:solidFill>
+                  <a:srgbClr val="20A06F"/>
+                </a:solidFill>
+              </a:rPr>
+              <a:t>upotrebe</a:t>
             </a:r>
             <a:endParaRPr lang="sr-Latn-RS" dirty="0">
               <a:solidFill>
@@ -3892,13 +3908,22 @@
           </a:bodyPr>
           <a:lstStyle/>
           <a:p>
+            <a:pPr algn="ctr"/>
             <a:r>
               <a:rPr lang="sr-Latn-RS" dirty="0" smtClean="0">
                 <a:solidFill>
                   <a:srgbClr val="20A06F"/>
                 </a:solidFill>
               </a:rPr>
-              <a:t>Primer upotrebe</a:t>
+              <a:t>Primer </a:t>
+            </a:r>
+            <a:r>
+              <a:rPr lang="sr-Latn-RS" dirty="0" smtClean="0">
+                <a:solidFill>
+                  <a:srgbClr val="20A06F"/>
+                </a:solidFill>
+              </a:rPr>
+              <a:t>upotrebe</a:t>
             </a:r>
             <a:endParaRPr lang="sr-Latn-RS" dirty="0">
               <a:solidFill>
@@ -4023,7 +4048,7 @@
         </p:nvSpPr>
         <p:spPr>
           <a:xfrm>
-            <a:off x="3323492" y="910183"/>
+            <a:off x="3622429" y="910183"/>
             <a:ext cx="5292969" cy="369332"/>
           </a:xfrm>
           <a:prstGeom prst="rect">
@@ -4121,13 +4146,22 @@
           </a:bodyPr>
           <a:lstStyle/>
           <a:p>
+            <a:pPr algn="ctr"/>
             <a:r>
               <a:rPr lang="sr-Latn-RS" dirty="0" smtClean="0">
                 <a:solidFill>
                   <a:srgbClr val="20A06F"/>
                 </a:solidFill>
               </a:rPr>
-              <a:t>Primer upotrebe</a:t>
+              <a:t>Primer </a:t>
+            </a:r>
+            <a:r>
+              <a:rPr lang="sr-Latn-RS" dirty="0" smtClean="0">
+                <a:solidFill>
+                  <a:srgbClr val="20A06F"/>
+                </a:solidFill>
+              </a:rPr>
+              <a:t>upotrebe</a:t>
             </a:r>
             <a:endParaRPr lang="sr-Latn-RS" dirty="0">
               <a:solidFill>
@@ -4252,7 +4286,7 @@
         </p:nvSpPr>
         <p:spPr>
           <a:xfrm>
-            <a:off x="4659922" y="616373"/>
+            <a:off x="4826976" y="606614"/>
             <a:ext cx="2760785" cy="369332"/>
           </a:xfrm>
           <a:prstGeom prst="rect">
@@ -5005,6 +5039,7 @@
           </a:bodyPr>
           <a:lstStyle/>
           <a:p>
+            <a:pPr algn="ctr"/>
             <a:r>
               <a:rPr lang="en-GB" dirty="0" err="1" smtClean="0">
                 <a:solidFill>
@@ -5734,6 +5769,7 @@
           </a:bodyPr>
           <a:lstStyle/>
           <a:p>
+            <a:pPr algn="ctr"/>
             <a:r>
               <a:rPr lang="sr-Latn-RS" dirty="0" smtClean="0">
                 <a:solidFill>
@@ -5793,19 +5829,11 @@
               <a:t>Sistemski kvarovi - </a:t>
             </a:r>
             <a:r>
-              <a:rPr lang="sr-Latn-RS" dirty="0">
-                <a:solidFill>
-                  <a:srgbClr val="20A06F"/>
-                </a:solidFill>
-              </a:rPr>
+              <a:rPr lang="sr-Latn-RS" dirty="0"/>
               <a:t>mogu nastati usled hardverskih oštećenja, grešaka u softveru ili nestanka električne </a:t>
             </a:r>
             <a:r>
-              <a:rPr lang="sr-Latn-RS" dirty="0" smtClean="0">
-                <a:solidFill>
-                  <a:srgbClr val="20A06F"/>
-                </a:solidFill>
-              </a:rPr>
+              <a:rPr lang="sr-Latn-RS" dirty="0" smtClean="0"/>
               <a:t>energije</a:t>
             </a:r>
           </a:p>
@@ -5823,35 +5851,19 @@
               <a:t>Transakcione greške - </a:t>
             </a:r>
             <a:r>
-              <a:rPr lang="sr-Latn-RS" dirty="0">
-                <a:solidFill>
-                  <a:srgbClr val="20A06F"/>
-                </a:solidFill>
-              </a:rPr>
+              <a:rPr lang="sr-Latn-RS" dirty="0"/>
               <a:t>nastaju usled mrežnih prekida, mrtvih petlji (</a:t>
             </a:r>
             <a:r>
-              <a:rPr lang="sr-Latn-RS" i="1" dirty="0">
-                <a:solidFill>
-                  <a:srgbClr val="20A06F"/>
-                </a:solidFill>
-              </a:rPr>
+              <a:rPr lang="sr-Latn-RS" i="1" dirty="0"/>
               <a:t>deadlock</a:t>
             </a:r>
             <a:r>
-              <a:rPr lang="sr-Latn-RS" dirty="0">
-                <a:solidFill>
-                  <a:srgbClr val="20A06F"/>
-                </a:solidFill>
-              </a:rPr>
+              <a:rPr lang="sr-Latn-RS" dirty="0"/>
               <a:t>) ili logičkih grešaka u </a:t>
             </a:r>
             <a:r>
-              <a:rPr lang="sr-Latn-RS" dirty="0" smtClean="0">
-                <a:solidFill>
-                  <a:srgbClr val="20A06F"/>
-                </a:solidFill>
-              </a:rPr>
+              <a:rPr lang="sr-Latn-RS" dirty="0" smtClean="0"/>
               <a:t>aplikaciji</a:t>
             </a:r>
           </a:p>
@@ -5866,22 +5878,18 @@
                   <a:srgbClr val="20A06F"/>
                 </a:solidFill>
               </a:rPr>
-              <a:t>Ljudske greške – podrazumevaju nenamerno </a:t>
-            </a:r>
-            <a:r>
-              <a:rPr lang="sr-Latn-RS" dirty="0">
-                <a:solidFill>
-                  <a:srgbClr val="20A06F"/>
-                </a:solidFill>
-              </a:rPr>
+              <a:t>Ljudske greške – </a:t>
+            </a:r>
+            <a:r>
+              <a:rPr lang="sr-Latn-RS" dirty="0" smtClean="0"/>
+              <a:t>podrazumevaju nenamerno </a:t>
+            </a:r>
+            <a:r>
+              <a:rPr lang="sr-Latn-RS" dirty="0"/>
               <a:t>brisanje, prepisivanje ili pogrešan unos </a:t>
             </a:r>
             <a:r>
-              <a:rPr lang="sr-Latn-RS" dirty="0" smtClean="0">
-                <a:solidFill>
-                  <a:srgbClr val="20A06F"/>
-                </a:solidFill>
-              </a:rPr>
+              <a:rPr lang="sr-Latn-RS" dirty="0" smtClean="0"/>
               <a:t>informacija</a:t>
             </a:r>
           </a:p>
@@ -5896,22 +5904,18 @@
                   <a:srgbClr val="20A06F"/>
                 </a:solidFill>
               </a:rPr>
-              <a:t>Bezbednosni incidenti - hakerski </a:t>
-            </a:r>
-            <a:r>
-              <a:rPr lang="sr-Latn-RS" dirty="0">
-                <a:solidFill>
-                  <a:srgbClr val="20A06F"/>
-                </a:solidFill>
-              </a:rPr>
+              <a:t>Bezbednosni incidenti - </a:t>
+            </a:r>
+            <a:r>
+              <a:rPr lang="sr-Latn-RS" dirty="0" smtClean="0"/>
+              <a:t>hakerski </a:t>
+            </a:r>
+            <a:r>
+              <a:rPr lang="sr-Latn-RS" dirty="0"/>
               <a:t>napadi ili neovlašćen </a:t>
             </a:r>
             <a:r>
-              <a:rPr lang="sr-Latn-RS" dirty="0" smtClean="0">
-                <a:solidFill>
-                  <a:srgbClr val="20A06F"/>
-                </a:solidFill>
-              </a:rPr>
+              <a:rPr lang="sr-Latn-RS" dirty="0" smtClean="0"/>
               <a:t>pristup</a:t>
             </a:r>
           </a:p>
@@ -5945,19 +5949,11 @@
               <a:t>sistema - </a:t>
             </a:r>
             <a:r>
-              <a:rPr lang="sr-Latn-RS" dirty="0">
-                <a:solidFill>
-                  <a:srgbClr val="20A06F"/>
-                </a:solidFill>
-              </a:rPr>
+              <a:rPr lang="sr-Latn-RS" dirty="0"/>
               <a:t>može doći do delimičnog gubitka </a:t>
             </a:r>
             <a:r>
-              <a:rPr lang="sr-Latn-RS" dirty="0" smtClean="0">
-                <a:solidFill>
-                  <a:srgbClr val="20A06F"/>
-                </a:solidFill>
-              </a:rPr>
+              <a:rPr lang="sr-Latn-RS" dirty="0" smtClean="0"/>
               <a:t>informacija</a:t>
             </a:r>
           </a:p>
@@ -6037,6 +6033,7 @@
           </a:bodyPr>
           <a:lstStyle/>
           <a:p>
+            <a:pPr algn="ctr"/>
             <a:r>
               <a:rPr lang="sr-Latn-RS" dirty="0" smtClean="0">
                 <a:solidFill>
@@ -6079,7 +6076,11 @@
                   <a:srgbClr val="20A06F"/>
                 </a:solidFill>
               </a:rPr>
-              <a:t>Recovery Manager – obezbeđuje konzistentnost baze pomoću undo (nekomitovane) i redo (komitovane) operacija; koristi checkpoint kao referentnu tačku</a:t>
+              <a:t>Recovery Manager – </a:t>
+            </a:r>
+            <a:r>
+              <a:rPr lang="sr-Latn-RS" dirty="0" smtClean="0"/>
+              <a:t>obezbeđuje konzistentnost baze pomoću undo (nekomitovane) i redo (komitovane) operacija; koristi checkpoint kao referentnu tačku</a:t>
             </a:r>
           </a:p>
           <a:p>
@@ -6089,7 +6090,11 @@
                   <a:srgbClr val="20A06F"/>
                 </a:solidFill>
               </a:rPr>
-              <a:t>Checkpointing – čuva trenutno stanje baze i omogućava brži oporavak pomoću log fajlova</a:t>
+              <a:t>Checkpointing – </a:t>
+            </a:r>
+            <a:r>
+              <a:rPr lang="sr-Latn-RS" dirty="0" smtClean="0"/>
+              <a:t>čuva trenutno stanje baze i omogućava brži oporavak pomoću log fajlova</a:t>
             </a:r>
           </a:p>
           <a:p>
@@ -6099,7 +6104,15 @@
                   <a:srgbClr val="20A06F"/>
                 </a:solidFill>
               </a:rPr>
-              <a:t>Shadow Paging – izmene se vrše u shadow kopiji baze; nakon commit-a shadow postaje glavna kopija; jednostavna ali slabo skalabilna metoda</a:t>
+              <a:t>Shadow Paging – </a:t>
+            </a:r>
+            <a:r>
+              <a:rPr lang="sr-Latn-RS" dirty="0" smtClean="0"/>
+              <a:t>izmene se vrše u shadow kopiji baze; nakon commit-a shadow postaje glavna </a:t>
+            </a:r>
+            <a:r>
+              <a:rPr lang="sr-Latn-RS" dirty="0" smtClean="0"/>
+              <a:t>kopija</a:t>
             </a:r>
           </a:p>
           <a:p>
@@ -6109,18 +6122,39 @@
                   <a:srgbClr val="20A06F"/>
                 </a:solidFill>
               </a:rPr>
-              <a:t>Write-Ahead Logging (WAL) – undo informacije se upisuju u log pre nego što se stranica pošalje u bazu</a:t>
-            </a:r>
-          </a:p>
-          <a:p>
+              <a:t>Write-Ahead </a:t>
+            </a:r>
             <a:r>
               <a:rPr lang="sr-Latn-RS" dirty="0" smtClean="0">
                 <a:solidFill>
                   <a:srgbClr val="20A06F"/>
                 </a:solidFill>
               </a:rPr>
-              <a:t>Garbage Collection pravilo – log zapisi se ne brišu dok su potrebni za oporavak; obezbeđuje tačnost i dostupnost sistema.</a:t>
-            </a:r>
+              <a:t>Logging (WAL) – </a:t>
+            </a:r>
+            <a:r>
+              <a:rPr lang="sr-Latn-RS" dirty="0" smtClean="0"/>
+              <a:t>undo informacije se upisuju u log pre nego što se stranica pošalje u bazu</a:t>
+            </a:r>
+          </a:p>
+          <a:p>
+            <a:r>
+              <a:rPr lang="sr-Latn-RS" dirty="0" smtClean="0">
+                <a:solidFill>
+                  <a:srgbClr val="20A06F"/>
+                </a:solidFill>
+              </a:rPr>
+              <a:t>Garbage Collection pravilo – </a:t>
+            </a:r>
+            <a:r>
+              <a:rPr lang="sr-Latn-RS" dirty="0" smtClean="0"/>
+              <a:t>log zapisi se ne brišu dok su potrebni za oporavak; obezbeđuje tačnost i dostupnost </a:t>
+            </a:r>
+            <a:r>
+              <a:rPr lang="sr-Latn-RS" dirty="0" smtClean="0"/>
+              <a:t>sistema</a:t>
+            </a:r>
+            <a:endParaRPr lang="sr-Latn-RS" dirty="0" smtClean="0"/>
           </a:p>
         </p:txBody>
       </p:sp>
@@ -6176,6 +6210,7 @@
           </a:bodyPr>
           <a:lstStyle/>
           <a:p>
+            <a:pPr algn="ctr"/>
             <a:r>
               <a:rPr lang="sr-Latn-RS" dirty="0" smtClean="0">
                 <a:solidFill>
@@ -6274,11 +6309,6 @@
               </a:rPr>
               <a:t>ackup je kreiranje dodatne kopije podataka kako bi se imali resursi za vraćanje u slučaju greške</a:t>
             </a:r>
-            <a:endParaRPr lang="sr-Latn-RS" dirty="0" smtClean="0">
-              <a:solidFill>
-                <a:srgbClr val="20A06F"/>
-              </a:solidFill>
-            </a:endParaRPr>
           </a:p>
           <a:p>
             <a:r>
@@ -6365,11 +6395,6 @@
               </a:rPr>
               <a:t>poravak proces korišćenja backup kopija da se povrate podaci u prvobitno stanje</a:t>
             </a:r>
-            <a:endParaRPr lang="sr-Latn-RS" dirty="0" smtClean="0">
-              <a:solidFill>
-                <a:srgbClr val="20A06F"/>
-              </a:solidFill>
-            </a:endParaRPr>
           </a:p>
           <a:p>
             <a:r>
@@ -6464,6 +6489,7 @@
           </a:bodyPr>
           <a:lstStyle/>
           <a:p>
+            <a:pPr algn="ctr"/>
             <a:r>
               <a:rPr lang="sr-Latn-RS" dirty="0" smtClean="0">
                 <a:solidFill>
@@ -6532,141 +6558,7 @@
                   <a:srgbClr val="20A06F"/>
                 </a:solidFill>
               </a:rPr>
-              <a:t>podataka</a:t>
-            </a:r>
-          </a:p>
-          <a:p>
-            <a:pPr marL="514350" indent="-514350">
-              <a:buFont typeface="+mj-lt"/>
-              <a:buAutoNum type="arabicPeriod"/>
-            </a:pPr>
-            <a:r>
-              <a:rPr lang="sr-Latn-RS" dirty="0" smtClean="0">
-                <a:solidFill>
-                  <a:srgbClr val="20A06F"/>
-                </a:solidFill>
-              </a:rPr>
-              <a:t>fizički backup - </a:t>
-            </a:r>
-            <a:r>
-              <a:rPr lang="en-US" dirty="0" err="1">
-                <a:solidFill>
-                  <a:srgbClr val="20A06F"/>
-                </a:solidFill>
-              </a:rPr>
-              <a:t>sadrži</a:t>
-            </a:r>
-            <a:r>
-              <a:rPr lang="en-US" dirty="0">
-                <a:solidFill>
-                  <a:srgbClr val="20A06F"/>
-                </a:solidFill>
-              </a:rPr>
-              <a:t> </a:t>
-            </a:r>
-            <a:r>
-              <a:rPr lang="en-US" dirty="0" err="1">
-                <a:solidFill>
-                  <a:srgbClr val="20A06F"/>
-                </a:solidFill>
-              </a:rPr>
-              <a:t>binarne</a:t>
-            </a:r>
-            <a:r>
-              <a:rPr lang="en-US" dirty="0">
-                <a:solidFill>
-                  <a:srgbClr val="20A06F"/>
-                </a:solidFill>
-              </a:rPr>
-              <a:t> </a:t>
-            </a:r>
-            <a:r>
-              <a:rPr lang="en-US" dirty="0" err="1">
-                <a:solidFill>
-                  <a:srgbClr val="20A06F"/>
-                </a:solidFill>
-              </a:rPr>
-              <a:t>podatke</a:t>
-            </a:r>
-            <a:r>
-              <a:rPr lang="en-US" dirty="0">
-                <a:solidFill>
-                  <a:srgbClr val="20A06F"/>
-                </a:solidFill>
-              </a:rPr>
-              <a:t>, </a:t>
-            </a:r>
-            <a:r>
-              <a:rPr lang="en-US" dirty="0" err="1">
-                <a:solidFill>
-                  <a:srgbClr val="20A06F"/>
-                </a:solidFill>
-              </a:rPr>
-              <a:t>odnosno</a:t>
-            </a:r>
-            <a:r>
-              <a:rPr lang="en-US" dirty="0">
-                <a:solidFill>
-                  <a:srgbClr val="20A06F"/>
-                </a:solidFill>
-              </a:rPr>
-              <a:t> </a:t>
-            </a:r>
-            <a:r>
-              <a:rPr lang="en-US" dirty="0" err="1">
-                <a:solidFill>
-                  <a:srgbClr val="20A06F"/>
-                </a:solidFill>
-              </a:rPr>
-              <a:t>stvarne</a:t>
-            </a:r>
-            <a:r>
-              <a:rPr lang="en-US" dirty="0">
-                <a:solidFill>
-                  <a:srgbClr val="20A06F"/>
-                </a:solidFill>
-              </a:rPr>
-              <a:t> </a:t>
-            </a:r>
-            <a:r>
-              <a:rPr lang="en-US" dirty="0" err="1">
-                <a:solidFill>
-                  <a:srgbClr val="20A06F"/>
-                </a:solidFill>
-              </a:rPr>
-              <a:t>fajlove</a:t>
-            </a:r>
-            <a:r>
-              <a:rPr lang="en-US" dirty="0">
-                <a:solidFill>
-                  <a:srgbClr val="20A06F"/>
-                </a:solidFill>
-              </a:rPr>
-              <a:t> </a:t>
-            </a:r>
-            <a:r>
-              <a:rPr lang="en-US" dirty="0" err="1">
-                <a:solidFill>
-                  <a:srgbClr val="20A06F"/>
-                </a:solidFill>
-              </a:rPr>
-              <a:t>baze</a:t>
-            </a:r>
-            <a:r>
-              <a:rPr lang="en-US" dirty="0">
-                <a:solidFill>
-                  <a:srgbClr val="20A06F"/>
-                </a:solidFill>
-              </a:rPr>
-              <a:t> </a:t>
-            </a:r>
-            <a:r>
-              <a:rPr lang="en-US" dirty="0" err="1">
-                <a:solidFill>
-                  <a:srgbClr val="20A06F"/>
-                </a:solidFill>
-              </a:rPr>
-              <a:t>podataka</a:t>
+              <a:t>podataka:</a:t>
             </a:r>
             <a:endParaRPr lang="sr-Latn-RS" dirty="0" smtClean="0">
               <a:solidFill>
@@ -6685,149 +6577,69 @@
                   <a:srgbClr val="20A06F"/>
                 </a:solidFill>
               </a:rPr>
-              <a:t>logički backup - </a:t>
-            </a:r>
-            <a:r>
-              <a:rPr lang="en-US" dirty="0" err="1">
-                <a:solidFill>
-                  <a:srgbClr val="20A06F"/>
-                </a:solidFill>
-              </a:rPr>
-              <a:t>čuva</a:t>
-            </a:r>
-            <a:r>
-              <a:rPr lang="en-US" dirty="0">
-                <a:solidFill>
-                  <a:srgbClr val="20A06F"/>
-                </a:solidFill>
-              </a:rPr>
-              <a:t> </a:t>
-            </a:r>
-            <a:r>
-              <a:rPr lang="en-US" dirty="0" err="1">
-                <a:solidFill>
-                  <a:srgbClr val="20A06F"/>
-                </a:solidFill>
-              </a:rPr>
+              <a:t>fizički backup - </a:t>
+            </a:r>
+            <a:r>
+              <a:rPr lang="en-US" dirty="0" err="1"/>
+              <a:t>sadrži</a:t>
+            </a:r>
+            <a:r>
+              <a:rPr lang="en-US" dirty="0"/>
+              <a:t> </a:t>
+            </a:r>
+            <a:r>
+              <a:rPr lang="en-US" dirty="0" err="1"/>
+              <a:t>binarne</a:t>
+            </a:r>
+            <a:r>
+              <a:rPr lang="en-US" dirty="0"/>
+              <a:t> </a:t>
+            </a:r>
+            <a:r>
+              <a:rPr lang="en-US" dirty="0" err="1"/>
               <a:t>podatke</a:t>
             </a:r>
             <a:r>
-              <a:rPr lang="en-US" dirty="0">
-                <a:solidFill>
-                  <a:srgbClr val="20A06F"/>
-                </a:solidFill>
-              </a:rPr>
-              <a:t> u </a:t>
-            </a:r>
-            <a:r>
-              <a:rPr lang="en-US" dirty="0" err="1">
-                <a:solidFill>
-                  <a:srgbClr val="20A06F"/>
-                </a:solidFill>
-              </a:rPr>
-              <a:t>formatu</a:t>
-            </a:r>
-            <a:r>
-              <a:rPr lang="en-US" dirty="0">
-                <a:solidFill>
-                  <a:srgbClr val="20A06F"/>
-                </a:solidFill>
-              </a:rPr>
-              <a:t> </a:t>
-            </a:r>
-            <a:r>
-              <a:rPr lang="en-US" dirty="0" err="1">
-                <a:solidFill>
-                  <a:srgbClr val="20A06F"/>
-                </a:solidFill>
-              </a:rPr>
-              <a:t>koji</a:t>
-            </a:r>
-            <a:r>
-              <a:rPr lang="en-US" dirty="0">
-                <a:solidFill>
-                  <a:srgbClr val="20A06F"/>
-                </a:solidFill>
-              </a:rPr>
-              <a:t> je </a:t>
-            </a:r>
-            <a:r>
-              <a:rPr lang="en-US" dirty="0" err="1">
-                <a:solidFill>
-                  <a:srgbClr val="20A06F"/>
-                </a:solidFill>
-              </a:rPr>
-              <a:t>čitljiv</a:t>
-            </a:r>
-            <a:r>
-              <a:rPr lang="en-US" dirty="0">
-                <a:solidFill>
-                  <a:srgbClr val="20A06F"/>
-                </a:solidFill>
-              </a:rPr>
-              <a:t> </a:t>
-            </a:r>
-            <a:r>
-              <a:rPr lang="en-US" dirty="0" err="1">
-                <a:solidFill>
-                  <a:srgbClr val="20A06F"/>
-                </a:solidFill>
-              </a:rPr>
-              <a:t>čoveku</a:t>
-            </a:r>
-            <a:r>
-              <a:rPr lang="en-US" dirty="0">
-                <a:solidFill>
-                  <a:srgbClr val="20A06F"/>
-                </a:solidFill>
-              </a:rPr>
+              <a:rPr lang="en-US" dirty="0"/>
               <a:t>, </a:t>
             </a:r>
             <a:r>
-              <a:rPr lang="en-US" dirty="0" err="1">
-                <a:solidFill>
-                  <a:srgbClr val="20A06F"/>
-                </a:solidFill>
-              </a:rPr>
-              <a:t>najčešće</a:t>
-            </a:r>
-            <a:r>
-              <a:rPr lang="en-US" dirty="0">
-                <a:solidFill>
-                  <a:srgbClr val="20A06F"/>
-                </a:solidFill>
-              </a:rPr>
-              <a:t> u </a:t>
-            </a:r>
-            <a:r>
-              <a:rPr lang="en-US" dirty="0" err="1">
-                <a:solidFill>
-                  <a:srgbClr val="20A06F"/>
-                </a:solidFill>
-              </a:rPr>
-              <a:t>vidu</a:t>
-            </a:r>
-            <a:r>
-              <a:rPr lang="en-US" dirty="0">
-                <a:solidFill>
-                  <a:srgbClr val="20A06F"/>
-                </a:solidFill>
-              </a:rPr>
-              <a:t> SQL </a:t>
-            </a:r>
-            <a:r>
-              <a:rPr lang="en-US" dirty="0" err="1" smtClean="0">
-                <a:solidFill>
-                  <a:srgbClr val="20A06F"/>
-                </a:solidFill>
-              </a:rPr>
-              <a:t>skripti</a:t>
-            </a:r>
-            <a:endParaRPr lang="sr-Latn-RS" dirty="0" smtClean="0">
-              <a:solidFill>
-                <a:srgbClr val="20A06F"/>
-              </a:solidFill>
-            </a:endParaRPr>
+              <a:rPr lang="en-US" dirty="0" err="1"/>
+              <a:t>odnosno</a:t>
+            </a:r>
+            <a:r>
+              <a:rPr lang="en-US" dirty="0"/>
+              <a:t> </a:t>
+            </a:r>
+            <a:r>
+              <a:rPr lang="en-US" dirty="0" err="1"/>
+              <a:t>stvarne</a:t>
+            </a:r>
+            <a:r>
+              <a:rPr lang="en-US" dirty="0"/>
+              <a:t> </a:t>
+            </a:r>
+            <a:r>
+              <a:rPr lang="en-US" dirty="0" err="1"/>
+              <a:t>fajlove</a:t>
+            </a:r>
+            <a:r>
+              <a:rPr lang="en-US" dirty="0"/>
+              <a:t> </a:t>
+            </a:r>
+            <a:r>
+              <a:rPr lang="en-US" dirty="0" err="1"/>
+              <a:t>baze</a:t>
+            </a:r>
+            <a:r>
+              <a:rPr lang="en-US" dirty="0"/>
+              <a:t> </a:t>
+            </a:r>
+            <a:r>
+              <a:rPr lang="en-US" dirty="0" err="1"/>
+              <a:t>podataka</a:t>
+            </a:r>
+            <a:endParaRPr lang="sr-Latn-RS" dirty="0" smtClean="0"/>
           </a:p>
           <a:p>
             <a:pPr marL="514350" indent="-514350">
@@ -6835,122 +6647,82 @@
               <a:buAutoNum type="arabicPeriod"/>
             </a:pPr>
             <a:r>
-              <a:rPr lang="en-US" dirty="0" err="1" smtClean="0">
-                <a:solidFill>
-                  <a:srgbClr val="20A06F"/>
-                </a:solidFill>
-              </a:rPr>
-              <a:t>puni</a:t>
-            </a:r>
-            <a:r>
-              <a:rPr lang="en-US" dirty="0" smtClean="0">
-                <a:solidFill>
-                  <a:srgbClr val="20A06F"/>
-                </a:solidFill>
-              </a:rPr>
-              <a:t> (</a:t>
-            </a:r>
-            <a:r>
-              <a:rPr lang="en-US" i="1" dirty="0" smtClean="0">
-                <a:solidFill>
-                  <a:srgbClr val="20A06F"/>
-                </a:solidFill>
-              </a:rPr>
-              <a:t>full</a:t>
-            </a:r>
-            <a:r>
-              <a:rPr lang="en-US" dirty="0" smtClean="0">
-                <a:solidFill>
-                  <a:srgbClr val="20A06F"/>
-                </a:solidFill>
-              </a:rPr>
-              <a:t>)</a:t>
-            </a:r>
-            <a:r>
               <a:rPr lang="sr-Latn-RS" dirty="0" smtClean="0">
                 <a:solidFill>
                   <a:srgbClr val="20A06F"/>
                 </a:solidFill>
               </a:rPr>
-              <a:t> - </a:t>
-            </a:r>
-            <a:r>
-              <a:rPr lang="en-US" dirty="0" err="1" smtClean="0">
-                <a:solidFill>
-                  <a:srgbClr val="20A06F"/>
-                </a:solidFill>
-              </a:rPr>
-              <a:t>kompletn</a:t>
-            </a:r>
-            <a:r>
-              <a:rPr lang="sr-Latn-RS" dirty="0" smtClean="0">
-                <a:solidFill>
-                  <a:srgbClr val="20A06F"/>
-                </a:solidFill>
-              </a:rPr>
-              <a:t>a</a:t>
-            </a:r>
-            <a:r>
-              <a:rPr lang="en-US" dirty="0" smtClean="0">
-                <a:solidFill>
-                  <a:srgbClr val="20A06F"/>
-                </a:solidFill>
-              </a:rPr>
-              <a:t> </a:t>
-            </a:r>
-            <a:r>
-              <a:rPr lang="en-US" dirty="0" err="1" smtClean="0">
-                <a:solidFill>
-                  <a:srgbClr val="20A06F"/>
-                </a:solidFill>
-              </a:rPr>
-              <a:t>kopij</a:t>
-            </a:r>
-            <a:r>
-              <a:rPr lang="sr-Latn-RS" dirty="0" smtClean="0">
-                <a:solidFill>
-                  <a:srgbClr val="20A06F"/>
-                </a:solidFill>
-              </a:rPr>
-              <a:t>a</a:t>
-            </a:r>
-            <a:r>
-              <a:rPr lang="en-US" dirty="0" smtClean="0">
-                <a:solidFill>
-                  <a:srgbClr val="20A06F"/>
-                </a:solidFill>
-              </a:rPr>
-              <a:t> </a:t>
-            </a:r>
-            <a:r>
-              <a:rPr lang="en-US" dirty="0" err="1" smtClean="0">
-                <a:solidFill>
-                  <a:srgbClr val="20A06F"/>
-                </a:solidFill>
-              </a:rPr>
-              <a:t>svih</a:t>
-            </a:r>
-            <a:r>
-              <a:rPr lang="en-US" dirty="0" smtClean="0">
-                <a:solidFill>
-                  <a:srgbClr val="20A06F"/>
-                </a:solidFill>
-              </a:rPr>
-              <a:t> </a:t>
-            </a:r>
-            <a:r>
-              <a:rPr lang="en-US" dirty="0" err="1" smtClean="0">
-                <a:solidFill>
-                  <a:srgbClr val="20A06F"/>
-                </a:solidFill>
-              </a:rPr>
-              <a:t>podataka</a:t>
-            </a:r>
-            <a:endParaRPr lang="sr-Latn-RS" dirty="0" smtClean="0">
-              <a:solidFill>
-                <a:srgbClr val="20A06F"/>
-              </a:solidFill>
-            </a:endParaRPr>
+              <a:t>logički backup - </a:t>
+            </a:r>
+            <a:r>
+              <a:rPr lang="en-US" dirty="0" err="1"/>
+              <a:t>čuva</a:t>
+            </a:r>
+            <a:r>
+              <a:rPr lang="en-US" dirty="0"/>
+              <a:t> </a:t>
+            </a:r>
+            <a:r>
+              <a:rPr lang="en-US" dirty="0" err="1"/>
+              <a:t>podatke</a:t>
+            </a:r>
+            <a:r>
+              <a:rPr lang="en-US" dirty="0"/>
+              <a:t> u </a:t>
+            </a:r>
+            <a:r>
+              <a:rPr lang="en-US" dirty="0" err="1"/>
+              <a:t>formatu</a:t>
+            </a:r>
+            <a:r>
+              <a:rPr lang="en-US" dirty="0"/>
+              <a:t> </a:t>
+            </a:r>
+            <a:r>
+              <a:rPr lang="en-US" dirty="0" err="1"/>
+              <a:t>koji</a:t>
+            </a:r>
+            <a:r>
+              <a:rPr lang="en-US" dirty="0"/>
+              <a:t> je </a:t>
+            </a:r>
+            <a:r>
+              <a:rPr lang="en-US" dirty="0" err="1"/>
+              <a:t>čitljiv</a:t>
+            </a:r>
+            <a:r>
+              <a:rPr lang="en-US" dirty="0"/>
+              <a:t> </a:t>
+            </a:r>
+            <a:r>
+              <a:rPr lang="en-US" dirty="0" err="1"/>
+              <a:t>čoveku</a:t>
+            </a:r>
+            <a:r>
+              <a:rPr lang="en-US" dirty="0"/>
+              <a:t>, </a:t>
+            </a:r>
+            <a:r>
+              <a:rPr lang="en-US" dirty="0" err="1"/>
+              <a:t>najčešće</a:t>
+            </a:r>
+            <a:r>
+              <a:rPr lang="en-US" dirty="0"/>
+              <a:t> u </a:t>
+            </a:r>
+            <a:r>
+              <a:rPr lang="en-US" dirty="0" err="1"/>
+              <a:t>vidu</a:t>
+            </a:r>
+            <a:r>
+              <a:rPr lang="en-US" dirty="0"/>
+              <a:t> SQL </a:t>
+            </a:r>
+            <a:r>
+              <a:rPr lang="en-US" dirty="0" err="1" smtClean="0"/>
+              <a:t>skripti</a:t>
+            </a:r>
+            <a:endParaRPr lang="sr-Latn-RS" dirty="0" smtClean="0"/>
           </a:p>
           <a:p>
             <a:pPr marL="514350" indent="-514350">
@@ -6963,7 +6735,7 @@
                   <a:srgbClr val="20A06F"/>
                 </a:solidFill>
               </a:rPr>
-              <a:t>inkrementalni</a:t>
+              <a:t>puni</a:t>
             </a:r>
             <a:r>
               <a:rPr lang="en-US" dirty="0" smtClean="0">
@@ -6979,7 +6751,7 @@
                   <a:srgbClr val="20A06F"/>
                 </a:solidFill>
               </a:rPr>
-              <a:t>incremental</a:t>
+              <a:t>full</a:t>
             </a:r>
             <a:r>
               <a:rPr lang="en-US" dirty="0" smtClean="0">
@@ -6987,7 +6759,7 @@
                   <a:srgbClr val="20A06F"/>
                 </a:solidFill>
               </a:rPr>
-              <a:t>) </a:t>
+              <a:t>)</a:t>
             </a:r>
             <a:r>
               <a:rPr lang="sr-Latn-RS" dirty="0" smtClean="0">
@@ -6995,141 +6767,45 @@
                   <a:srgbClr val="20A06F"/>
                 </a:solidFill>
               </a:rPr>
-              <a:t>- </a:t>
-            </a:r>
-            <a:r>
-              <a:rPr lang="en-US" dirty="0" err="1" smtClean="0">
-                <a:solidFill>
-                  <a:srgbClr val="20A06F"/>
-                </a:solidFill>
-              </a:rPr>
-              <a:t>obuhvata</a:t>
-            </a:r>
-            <a:r>
-              <a:rPr lang="en-US" dirty="0" smtClean="0">
-                <a:solidFill>
-                  <a:srgbClr val="20A06F"/>
-                </a:solidFill>
-              </a:rPr>
-              <a:t> </a:t>
-            </a:r>
-            <a:r>
-              <a:rPr lang="en-US" dirty="0" err="1" smtClean="0">
-                <a:solidFill>
-                  <a:srgbClr val="20A06F"/>
-                </a:solidFill>
-              </a:rPr>
-              <a:t>samo</a:t>
-            </a:r>
-            <a:r>
-              <a:rPr lang="en-US" dirty="0" smtClean="0">
-                <a:solidFill>
-                  <a:srgbClr val="20A06F"/>
-                </a:solidFill>
-              </a:rPr>
-              <a:t> one </a:t>
-            </a:r>
-            <a:r>
-              <a:rPr lang="en-US" dirty="0" err="1" smtClean="0">
-                <a:solidFill>
-                  <a:srgbClr val="20A06F"/>
-                </a:solidFill>
-              </a:rPr>
-              <a:t>podatke</a:t>
-            </a:r>
-            <a:r>
-              <a:rPr lang="en-US" dirty="0" smtClean="0">
-                <a:solidFill>
-                  <a:srgbClr val="20A06F"/>
-                </a:solidFill>
-              </a:rPr>
-              <a:t> </a:t>
-            </a:r>
-            <a:r>
-              <a:rPr lang="en-US" dirty="0" err="1" smtClean="0">
-                <a:solidFill>
-                  <a:srgbClr val="20A06F"/>
-                </a:solidFill>
-              </a:rPr>
-              <a:t>koji</a:t>
-            </a:r>
-            <a:r>
-              <a:rPr lang="en-US" dirty="0" smtClean="0">
-                <a:solidFill>
-                  <a:srgbClr val="20A06F"/>
-                </a:solidFill>
-              </a:rPr>
-              <a:t> </a:t>
-            </a:r>
-            <a:r>
-              <a:rPr lang="en-US" dirty="0" err="1" smtClean="0">
-                <a:solidFill>
-                  <a:srgbClr val="20A06F"/>
-                </a:solidFill>
-              </a:rPr>
-              <a:t>su</a:t>
-            </a:r>
-            <a:r>
-              <a:rPr lang="en-US" dirty="0" smtClean="0">
-                <a:solidFill>
-                  <a:srgbClr val="20A06F"/>
-                </a:solidFill>
-              </a:rPr>
-              <a:t> </a:t>
-            </a:r>
-            <a:r>
-              <a:rPr lang="en-US" dirty="0" err="1" smtClean="0">
-                <a:solidFill>
-                  <a:srgbClr val="20A06F"/>
-                </a:solidFill>
-              </a:rPr>
-              <a:t>promenjeni</a:t>
-            </a:r>
-            <a:r>
-              <a:rPr lang="en-US" dirty="0" smtClean="0">
-                <a:solidFill>
-                  <a:srgbClr val="20A06F"/>
-                </a:solidFill>
-              </a:rPr>
-              <a:t> </a:t>
-            </a:r>
-            <a:r>
-              <a:rPr lang="en-US" dirty="0" err="1" smtClean="0">
-                <a:solidFill>
-                  <a:srgbClr val="20A06F"/>
-                </a:solidFill>
-              </a:rPr>
-              <a:t>nakon</a:t>
-            </a:r>
-            <a:r>
-              <a:rPr lang="en-US" dirty="0" smtClean="0">
-                <a:solidFill>
-                  <a:srgbClr val="20A06F"/>
-                </a:solidFill>
-              </a:rPr>
-              <a:t> </a:t>
-            </a:r>
-            <a:r>
-              <a:rPr lang="en-US" dirty="0" err="1" smtClean="0">
-                <a:solidFill>
-                  <a:srgbClr val="20A06F"/>
-                </a:solidFill>
-              </a:rPr>
-              <a:t>poslednjeg</a:t>
-            </a:r>
-            <a:r>
-              <a:rPr lang="en-US" dirty="0" smtClean="0">
-                <a:solidFill>
-                  <a:srgbClr val="20A06F"/>
-                </a:solidFill>
-              </a:rPr>
-              <a:t> backup-a</a:t>
-            </a:r>
-            <a:endParaRPr lang="sr-Latn-RS" dirty="0" smtClean="0">
-              <a:solidFill>
-                <a:srgbClr val="20A06F"/>
-              </a:solidFill>
-            </a:endParaRPr>
+              <a:t> - </a:t>
+            </a:r>
+            <a:r>
+              <a:rPr lang="en-US" dirty="0" err="1" smtClean="0"/>
+              <a:t>kompletn</a:t>
+            </a:r>
+            <a:r>
+              <a:rPr lang="sr-Latn-RS" dirty="0" smtClean="0"/>
+              <a:t>a</a:t>
+            </a:r>
+            <a:r>
+              <a:rPr lang="en-US" dirty="0" smtClean="0"/>
+              <a:t> </a:t>
+            </a:r>
+            <a:r>
+              <a:rPr lang="en-US" dirty="0" err="1" smtClean="0"/>
+              <a:t>kopij</a:t>
+            </a:r>
+            <a:r>
+              <a:rPr lang="sr-Latn-RS" dirty="0" smtClean="0"/>
+              <a:t>a</a:t>
+            </a:r>
+            <a:r>
+              <a:rPr lang="en-US" dirty="0" smtClean="0"/>
+              <a:t> </a:t>
+            </a:r>
+            <a:r>
+              <a:rPr lang="en-US" dirty="0" err="1" smtClean="0"/>
+              <a:t>svih</a:t>
+            </a:r>
+            <a:r>
+              <a:rPr lang="en-US" dirty="0" smtClean="0"/>
+              <a:t> </a:t>
+            </a:r>
+            <a:r>
+              <a:rPr lang="en-US" dirty="0" err="1" smtClean="0"/>
+              <a:t>podataka</a:t>
+            </a:r>
+            <a:endParaRPr lang="sr-Latn-RS" dirty="0" smtClean="0"/>
           </a:p>
           <a:p>
             <a:pPr marL="514350" indent="-514350">
@@ -7142,6 +6818,117 @@
                   <a:srgbClr val="20A06F"/>
                 </a:solidFill>
               </a:rPr>
+              <a:t>inkrementalni</a:t>
+            </a:r>
+            <a:r>
+              <a:rPr lang="en-US" dirty="0" smtClean="0">
+                <a:solidFill>
+                  <a:srgbClr val="20A06F"/>
+                </a:solidFill>
+              </a:rPr>
+              <a:t> (</a:t>
+            </a:r>
+            <a:r>
+              <a:rPr lang="en-US" i="1" dirty="0" smtClean="0">
+                <a:solidFill>
+                  <a:srgbClr val="20A06F"/>
+                </a:solidFill>
+              </a:rPr>
+              <a:t>incremental</a:t>
+            </a:r>
+            <a:r>
+              <a:rPr lang="en-US" dirty="0" smtClean="0">
+                <a:solidFill>
+                  <a:srgbClr val="20A06F"/>
+                </a:solidFill>
+              </a:rPr>
+              <a:t>) </a:t>
+            </a:r>
+            <a:r>
+              <a:rPr lang="sr-Latn-RS" dirty="0" smtClean="0">
+                <a:solidFill>
+                  <a:srgbClr val="20A06F"/>
+                </a:solidFill>
+              </a:rPr>
+              <a:t>- </a:t>
+            </a:r>
+            <a:r>
+              <a:rPr lang="en-US" dirty="0" err="1" smtClean="0"/>
+              <a:t>obuhvata</a:t>
+            </a:r>
+            <a:r>
+              <a:rPr lang="en-US" dirty="0" smtClean="0"/>
+              <a:t> </a:t>
+            </a:r>
+            <a:r>
+              <a:rPr lang="en-US" dirty="0" err="1" smtClean="0"/>
+              <a:t>samo</a:t>
+            </a:r>
+            <a:r>
+              <a:rPr lang="en-US" dirty="0" smtClean="0"/>
+              <a:t> one </a:t>
+            </a:r>
+            <a:r>
+              <a:rPr lang="en-US" dirty="0" err="1" smtClean="0"/>
+              <a:t>podatke</a:t>
+            </a:r>
+            <a:r>
+              <a:rPr lang="en-US" dirty="0" smtClean="0"/>
+              <a:t> </a:t>
+            </a:r>
+            <a:r>
+              <a:rPr lang="en-US" dirty="0" err="1" smtClean="0"/>
+              <a:t>koji</a:t>
+            </a:r>
+            <a:r>
+              <a:rPr lang="en-US" dirty="0" smtClean="0"/>
+              <a:t> </a:t>
+            </a:r>
+            <a:r>
+              <a:rPr lang="en-US" dirty="0" err="1" smtClean="0"/>
+              <a:t>su</a:t>
+            </a:r>
+            <a:r>
+              <a:rPr lang="en-US" dirty="0" smtClean="0"/>
+              <a:t> </a:t>
+            </a:r>
+            <a:r>
+              <a:rPr lang="en-US" dirty="0" err="1" smtClean="0"/>
+              <a:t>promenjeni</a:t>
+            </a:r>
+            <a:r>
+              <a:rPr lang="en-US" dirty="0" smtClean="0"/>
+              <a:t> </a:t>
+            </a:r>
+            <a:r>
+              <a:rPr lang="en-US" dirty="0" err="1" smtClean="0"/>
+              <a:t>nakon</a:t>
+            </a:r>
+            <a:r>
+              <a:rPr lang="en-US" dirty="0" smtClean="0"/>
+              <a:t> </a:t>
+            </a:r>
+            <a:r>
+              <a:rPr lang="en-US" dirty="0" err="1" smtClean="0"/>
+              <a:t>poslednjeg</a:t>
+            </a:r>
+            <a:r>
+              <a:rPr lang="en-US" dirty="0" smtClean="0"/>
+              <a:t> backup-a</a:t>
+            </a:r>
+            <a:endParaRPr lang="sr-Latn-RS" dirty="0" smtClean="0"/>
+          </a:p>
+          <a:p>
+            <a:pPr marL="514350" indent="-514350">
+              <a:buFont typeface="+mj-lt"/>
+              <a:buAutoNum type="arabicPeriod"/>
+            </a:pPr>
+            <a:r>
+              <a:rPr lang="en-US" dirty="0" err="1" smtClean="0">
+                <a:solidFill>
+                  <a:srgbClr val="20A06F"/>
+                </a:solidFill>
+              </a:rPr>
               <a:t>diferencijalni</a:t>
             </a:r>
             <a:r>
@@ -7177,106 +6964,54 @@
               <a:t> - </a:t>
             </a:r>
             <a:r>
-              <a:rPr lang="en-US" dirty="0" err="1" smtClean="0">
-                <a:solidFill>
-                  <a:srgbClr val="20A06F"/>
-                </a:solidFill>
-              </a:rPr>
+              <a:rPr lang="en-US" dirty="0" err="1" smtClean="0"/>
               <a:t>čuva</a:t>
             </a:r>
             <a:r>
-              <a:rPr lang="en-US" dirty="0" smtClean="0">
-                <a:solidFill>
-                  <a:srgbClr val="20A06F"/>
-                </a:solidFill>
-              </a:rPr>
-              <a:t> </a:t>
-            </a:r>
-            <a:r>
-              <a:rPr lang="en-US" dirty="0" err="1" smtClean="0">
-                <a:solidFill>
-                  <a:srgbClr val="20A06F"/>
-                </a:solidFill>
-              </a:rPr>
+              <a:rPr lang="en-US" dirty="0" smtClean="0"/>
+              <a:t> </a:t>
+            </a:r>
+            <a:r>
+              <a:rPr lang="en-US" dirty="0" err="1" smtClean="0"/>
               <a:t>izmene</a:t>
             </a:r>
             <a:r>
-              <a:rPr lang="en-US" dirty="0" smtClean="0">
-                <a:solidFill>
-                  <a:srgbClr val="20A06F"/>
-                </a:solidFill>
-              </a:rPr>
-              <a:t> </a:t>
-            </a:r>
-            <a:r>
-              <a:rPr lang="en-US" dirty="0" err="1" smtClean="0">
-                <a:solidFill>
-                  <a:srgbClr val="20A06F"/>
-                </a:solidFill>
-              </a:rPr>
+              <a:rPr lang="en-US" dirty="0" smtClean="0"/>
+              <a:t> </a:t>
+            </a:r>
+            <a:r>
+              <a:rPr lang="en-US" dirty="0" err="1" smtClean="0"/>
               <a:t>nastale</a:t>
             </a:r>
             <a:r>
-              <a:rPr lang="en-US" dirty="0" smtClean="0">
-                <a:solidFill>
-                  <a:srgbClr val="20A06F"/>
-                </a:solidFill>
-              </a:rPr>
+              <a:rPr lang="en-US" dirty="0" smtClean="0"/>
               <a:t> od </a:t>
             </a:r>
             <a:r>
-              <a:rPr lang="en-US" dirty="0" err="1" smtClean="0">
-                <a:solidFill>
-                  <a:srgbClr val="20A06F"/>
-                </a:solidFill>
-              </a:rPr>
+              <a:rPr lang="en-US" dirty="0" err="1" smtClean="0"/>
               <a:t>vremena</a:t>
             </a:r>
             <a:r>
-              <a:rPr lang="en-US" dirty="0" smtClean="0">
-                <a:solidFill>
-                  <a:srgbClr val="20A06F"/>
-                </a:solidFill>
-              </a:rPr>
-              <a:t> </a:t>
-            </a:r>
-            <a:r>
-              <a:rPr lang="en-US" dirty="0" err="1" smtClean="0">
-                <a:solidFill>
-                  <a:srgbClr val="20A06F"/>
-                </a:solidFill>
-              </a:rPr>
+              <a:rPr lang="en-US" dirty="0" smtClean="0"/>
+              <a:t> </a:t>
+            </a:r>
+            <a:r>
+              <a:rPr lang="en-US" dirty="0" err="1" smtClean="0"/>
               <a:t>poslednjeg</a:t>
             </a:r>
             <a:r>
-              <a:rPr lang="en-US" dirty="0" smtClean="0">
-                <a:solidFill>
-                  <a:srgbClr val="20A06F"/>
-                </a:solidFill>
-              </a:rPr>
-              <a:t> </a:t>
-            </a:r>
-            <a:r>
-              <a:rPr lang="en-US" dirty="0" err="1" smtClean="0">
-                <a:solidFill>
-                  <a:srgbClr val="20A06F"/>
-                </a:solidFill>
-              </a:rPr>
+              <a:rPr lang="en-US" dirty="0" smtClean="0"/>
+              <a:t> </a:t>
+            </a:r>
+            <a:r>
+              <a:rPr lang="en-US" dirty="0" err="1" smtClean="0"/>
               <a:t>punog</a:t>
             </a:r>
             <a:r>
-              <a:rPr lang="en-US" dirty="0" smtClean="0">
-                <a:solidFill>
-                  <a:srgbClr val="20A06F"/>
-                </a:solidFill>
-              </a:rPr>
+              <a:rPr lang="en-US" dirty="0" smtClean="0"/>
               <a:t> backup-a</a:t>
             </a:r>
-            <a:endParaRPr lang="sr-Latn-RS" dirty="0">
-              <a:solidFill>
-                <a:srgbClr val="20A06F"/>
-              </a:solidFill>
-            </a:endParaRPr>
+            <a:endParaRPr lang="sr-Latn-RS" dirty="0"/>
           </a:p>
           <a:p>
             <a:endParaRPr lang="sr-Latn-RS" dirty="0" smtClean="0">
@@ -7339,6 +7074,7 @@
           </a:bodyPr>
           <a:lstStyle/>
           <a:p>
+            <a:pPr algn="ctr"/>
             <a:r>
               <a:rPr lang="sr-Latn-RS" dirty="0" smtClean="0">
                 <a:solidFill>
@@ -8709,6 +8445,7 @@
           </a:bodyPr>
           <a:lstStyle/>
           <a:p>
+            <a:pPr algn="ctr"/>
             <a:r>
               <a:rPr lang="sr-Latn-RS" dirty="0" smtClean="0">
                 <a:solidFill>
@@ -9222,7 +8959,7 @@
               <a:t> </a:t>
             </a:r>
             <a:r>
-              <a:rPr lang="en-US" b="1" dirty="0" err="1">
+              <a:rPr lang="en-US" dirty="0" err="1">
                 <a:solidFill>
                   <a:srgbClr val="20A06F"/>
                 </a:solidFill>
@@ -9230,15 +8967,15 @@
               <a:t>samo</a:t>
             </a:r>
             <a:r>
-              <a:rPr lang="en-US" b="1" dirty="0">
-                <a:solidFill>
-                  <a:srgbClr val="20A06F"/>
-                </a:solidFill>
-              </a:rPr>
-              <a:t> </a:t>
-            </a:r>
-            <a:r>
-              <a:rPr lang="en-US" b="1" dirty="0" err="1">
+              <a:rPr lang="en-US" dirty="0">
+                <a:solidFill>
+                  <a:srgbClr val="20A06F"/>
+                </a:solidFill>
+              </a:rPr>
+              <a:t> </a:t>
+            </a:r>
+            <a:r>
+              <a:rPr lang="en-US" dirty="0" err="1">
                 <a:solidFill>
                   <a:srgbClr val="20A06F"/>
                 </a:solidFill>
@@ -9246,15 +8983,15 @@
               <a:t>jedna</a:t>
             </a:r>
             <a:r>
-              <a:rPr lang="en-US" b="1" dirty="0">
-                <a:solidFill>
-                  <a:srgbClr val="20A06F"/>
-                </a:solidFill>
-              </a:rPr>
-              <a:t> </a:t>
-            </a:r>
-            <a:r>
-              <a:rPr lang="en-US" b="1" dirty="0" err="1">
+              <a:rPr lang="en-US" dirty="0">
+                <a:solidFill>
+                  <a:srgbClr val="20A06F"/>
+                </a:solidFill>
+              </a:rPr>
+              <a:t> </a:t>
+            </a:r>
+            <a:r>
+              <a:rPr lang="en-US" dirty="0" err="1">
                 <a:solidFill>
                   <a:srgbClr val="20A06F"/>
                 </a:solidFill>
@@ -9262,22 +8999,22 @@
               <a:t>baza</a:t>
             </a:r>
             <a:r>
-              <a:rPr lang="en-US" b="1" dirty="0">
-                <a:solidFill>
-                  <a:srgbClr val="20A06F"/>
-                </a:solidFill>
-              </a:rPr>
-              <a:t> </a:t>
-            </a:r>
-            <a:r>
-              <a:rPr lang="en-US" b="1" dirty="0" err="1" smtClean="0">
+              <a:rPr lang="en-US" dirty="0">
+                <a:solidFill>
+                  <a:srgbClr val="20A06F"/>
+                </a:solidFill>
+              </a:rPr>
+              <a:t> </a:t>
+            </a:r>
+            <a:r>
+              <a:rPr lang="en-US" dirty="0" err="1" smtClean="0">
                 <a:solidFill>
                   <a:srgbClr val="20A06F"/>
                 </a:solidFill>
               </a:rPr>
               <a:t>podataka</a:t>
             </a:r>
-            <a:endParaRPr lang="sr-Latn-RS" b="1" dirty="0" smtClean="0">
+            <a:endParaRPr lang="sr-Latn-RS" dirty="0" smtClean="0">
               <a:solidFill>
                 <a:srgbClr val="20A06F"/>
               </a:solidFill>
@@ -9359,6 +9096,7 @@
           </a:bodyPr>
           <a:lstStyle/>
           <a:p>
+            <a:pPr algn="ctr"/>
             <a:r>
               <a:rPr lang="sr-Latn-RS" dirty="0" smtClean="0">
                 <a:solidFill>
@@ -9490,7 +9228,7 @@
         </p:nvSpPr>
         <p:spPr>
           <a:xfrm>
-            <a:off x="2915226" y="921839"/>
+            <a:off x="3167717" y="863475"/>
             <a:ext cx="5375920" cy="369332"/>
           </a:xfrm>
           <a:prstGeom prst="rect">
